--- a/presentation/webknot.pptx
+++ b/presentation/webknot.pptx
@@ -7,10 +7,12 @@
   <p:sldIdLst>
     <p:sldId id="256" r:id="rId2"/>
     <p:sldId id="259" r:id="rId3"/>
-    <p:sldId id="263" r:id="rId4"/>
-    <p:sldId id="260" r:id="rId5"/>
-    <p:sldId id="262" r:id="rId6"/>
-    <p:sldId id="261" r:id="rId7"/>
+    <p:sldId id="264" r:id="rId4"/>
+    <p:sldId id="263" r:id="rId5"/>
+    <p:sldId id="265" r:id="rId6"/>
+    <p:sldId id="260" r:id="rId7"/>
+    <p:sldId id="262" r:id="rId8"/>
+    <p:sldId id="261" r:id="rId9"/>
   </p:sldIdLst>
   <p:sldSz cx="12192000" cy="6858000"/>
   <p:notesSz cx="6858000" cy="9144000"/>
@@ -3550,6 +3552,434 @@
       </p:grpSpPr>
       <p:sp>
         <p:nvSpPr>
+          <p:cNvPr id="5" name="textruta 4">
+            <a:extLst>
+              <a:ext uri="{FF2B5EF4-FFF2-40B4-BE49-F238E27FC236}">
+                <a16:creationId xmlns:a16="http://schemas.microsoft.com/office/drawing/2014/main" id="{9D241938-7411-44C2-9432-98D8A1A71232}"/>
+              </a:ext>
+            </a:extLst>
+          </p:cNvPr>
+          <p:cNvSpPr txBox="1"/>
+          <p:nvPr/>
+        </p:nvSpPr>
+        <p:spPr>
+          <a:xfrm>
+            <a:off x="1294227" y="671691"/>
+            <a:ext cx="3263705" cy="5539978"/>
+          </a:xfrm>
+          <a:prstGeom prst="rect">
+            <a:avLst/>
+          </a:prstGeom>
+          <a:noFill/>
+        </p:spPr>
+        <p:txBody>
+          <a:bodyPr wrap="square" rtlCol="0">
+            <a:spAutoFit/>
+          </a:bodyPr>
+          <a:lstStyle/>
+          <a:p>
+            <a:r>
+              <a:rPr lang="en-US" sz="1600" b="1" dirty="0">
+                <a:latin typeface="Comfortaa" panose="00000500000000000000" pitchFamily="2" charset="0"/>
+              </a:rPr>
+              <a:t>Remembered</a:t>
+            </a:r>
+          </a:p>
+          <a:p>
+            <a:pPr marL="285750" indent="-285750">
+              <a:buFontTx/>
+              <a:buChar char="-"/>
+            </a:pPr>
+            <a:r>
+              <a:rPr lang="en-US" sz="1600" dirty="0">
+                <a:latin typeface="Comfortaa" panose="00000500000000000000" pitchFamily="2" charset="0"/>
+              </a:rPr>
+              <a:t>We’ll help you evade post-death shame by deleting your browser search history</a:t>
+            </a:r>
+          </a:p>
+          <a:p>
+            <a:pPr marL="285750" indent="-285750">
+              <a:buFontTx/>
+              <a:buChar char="-"/>
+            </a:pPr>
+            <a:endParaRPr lang="en-US" sz="1600" dirty="0">
+              <a:latin typeface="Comfortaa" panose="00000500000000000000" pitchFamily="2" charset="0"/>
+            </a:endParaRPr>
+          </a:p>
+          <a:p>
+            <a:pPr marL="285750" indent="-285750">
+              <a:buFontTx/>
+              <a:buChar char="-"/>
+            </a:pPr>
+            <a:r>
+              <a:rPr lang="en-US" sz="1600" dirty="0">
+                <a:latin typeface="Comfortaa" panose="00000500000000000000" pitchFamily="2" charset="0"/>
+              </a:rPr>
+              <a:t>Automatic deletion of late night Instagram postings and inspirational quotes on Facebook</a:t>
+            </a:r>
+          </a:p>
+          <a:p>
+            <a:pPr marL="285750" indent="-285750">
+              <a:buFontTx/>
+              <a:buChar char="-"/>
+            </a:pPr>
+            <a:endParaRPr lang="en-US" sz="1600" dirty="0">
+              <a:latin typeface="Comfortaa" panose="00000500000000000000" pitchFamily="2" charset="0"/>
+            </a:endParaRPr>
+          </a:p>
+          <a:p>
+            <a:pPr marL="285750" indent="-285750">
+              <a:buFontTx/>
+              <a:buChar char="-"/>
+            </a:pPr>
+            <a:r>
+              <a:rPr lang="en-US" sz="1600" dirty="0">
+                <a:latin typeface="Comfortaa" panose="00000500000000000000" pitchFamily="2" charset="0"/>
+              </a:rPr>
+              <a:t>Deletion of questionable Snapchats that you’ve been hiding from your partner</a:t>
+            </a:r>
+          </a:p>
+          <a:p>
+            <a:pPr marL="285750" indent="-285750">
+              <a:buFontTx/>
+              <a:buChar char="-"/>
+            </a:pPr>
+            <a:endParaRPr lang="en-US" sz="1600" dirty="0">
+              <a:latin typeface="Comfortaa" panose="00000500000000000000" pitchFamily="2" charset="0"/>
+            </a:endParaRPr>
+          </a:p>
+          <a:p>
+            <a:pPr marL="285750" indent="-285750">
+              <a:buFontTx/>
+              <a:buChar char="-"/>
+            </a:pPr>
+            <a:r>
+              <a:rPr lang="en-US" sz="1600" dirty="0">
+                <a:latin typeface="Comfortaa" panose="00000500000000000000" pitchFamily="2" charset="0"/>
+              </a:rPr>
+              <a:t>Custom personal memorial site</a:t>
+            </a:r>
+          </a:p>
+          <a:p>
+            <a:pPr marL="285750" indent="-285750">
+              <a:buFontTx/>
+              <a:buChar char="-"/>
+            </a:pPr>
+            <a:endParaRPr lang="en-US" sz="1600" dirty="0">
+              <a:latin typeface="Comfortaa" panose="00000500000000000000" pitchFamily="2" charset="0"/>
+            </a:endParaRPr>
+          </a:p>
+          <a:p>
+            <a:pPr marL="285750" indent="-285750">
+              <a:buFontTx/>
+              <a:buChar char="-"/>
+            </a:pPr>
+            <a:r>
+              <a:rPr lang="en-US" sz="1600" dirty="0">
+                <a:latin typeface="Comfortaa" panose="00000500000000000000" pitchFamily="2" charset="0"/>
+              </a:rPr>
+              <a:t>Memorial fund for donation</a:t>
+            </a:r>
+          </a:p>
+          <a:p>
+            <a:pPr marL="285750" indent="-285750">
+              <a:buFontTx/>
+              <a:buChar char="-"/>
+            </a:pPr>
+            <a:endParaRPr lang="en-US" dirty="0"/>
+          </a:p>
+        </p:txBody>
+      </p:sp>
+      <p:sp>
+        <p:nvSpPr>
+          <p:cNvPr id="6" name="textruta 5">
+            <a:extLst>
+              <a:ext uri="{FF2B5EF4-FFF2-40B4-BE49-F238E27FC236}">
+                <a16:creationId xmlns:a16="http://schemas.microsoft.com/office/drawing/2014/main" id="{2C78A482-A5B0-411D-977D-B604236F76B9}"/>
+              </a:ext>
+            </a:extLst>
+          </p:cNvPr>
+          <p:cNvSpPr txBox="1"/>
+          <p:nvPr/>
+        </p:nvSpPr>
+        <p:spPr>
+          <a:xfrm>
+            <a:off x="4698608" y="671691"/>
+            <a:ext cx="3319969" cy="4770537"/>
+          </a:xfrm>
+          <a:prstGeom prst="rect">
+            <a:avLst/>
+          </a:prstGeom>
+          <a:noFill/>
+        </p:spPr>
+        <p:txBody>
+          <a:bodyPr wrap="square" rtlCol="0">
+            <a:spAutoFit/>
+          </a:bodyPr>
+          <a:lstStyle/>
+          <a:p>
+            <a:r>
+              <a:rPr lang="en-US" sz="1600" b="1" dirty="0">
+                <a:latin typeface="Comfortaa" panose="00000500000000000000" pitchFamily="2" charset="0"/>
+              </a:rPr>
+              <a:t>Perennial</a:t>
+            </a:r>
+          </a:p>
+          <a:p>
+            <a:pPr marL="285750" indent="-285750">
+              <a:buFontTx/>
+              <a:buChar char="-"/>
+            </a:pPr>
+            <a:r>
+              <a:rPr lang="en-US" sz="1600" dirty="0">
+                <a:latin typeface="Comfortaa" panose="00000500000000000000" pitchFamily="2" charset="0"/>
+              </a:rPr>
+              <a:t>Heroic exaggerations of achievements on LinkedIn (where possible)</a:t>
+            </a:r>
+          </a:p>
+          <a:p>
+            <a:pPr marL="285750" indent="-285750">
+              <a:buFontTx/>
+              <a:buChar char="-"/>
+            </a:pPr>
+            <a:endParaRPr lang="en-US" sz="1600" dirty="0">
+              <a:latin typeface="Comfortaa" panose="00000500000000000000" pitchFamily="2" charset="0"/>
+            </a:endParaRPr>
+          </a:p>
+          <a:p>
+            <a:pPr marL="285750" indent="-285750">
+              <a:buFontTx/>
+              <a:buChar char="-"/>
+            </a:pPr>
+            <a:r>
+              <a:rPr lang="en-US" sz="1600" dirty="0">
+                <a:latin typeface="Comfortaa" panose="00000500000000000000" pitchFamily="2" charset="0"/>
+              </a:rPr>
+              <a:t>Friendship grooming by careful evaluation and rejection of unwanted Facebook connections</a:t>
+            </a:r>
+          </a:p>
+          <a:p>
+            <a:pPr marL="285750" indent="-285750">
+              <a:buFontTx/>
+              <a:buChar char="-"/>
+            </a:pPr>
+            <a:endParaRPr lang="en-US" sz="1600" dirty="0">
+              <a:latin typeface="Comfortaa" panose="00000500000000000000" pitchFamily="2" charset="0"/>
+            </a:endParaRPr>
+          </a:p>
+          <a:p>
+            <a:pPr marL="285750" indent="-285750">
+              <a:buFontTx/>
+              <a:buChar char="-"/>
+            </a:pPr>
+            <a:r>
+              <a:rPr lang="en-US" sz="1600" dirty="0">
+                <a:latin typeface="Comfortaa" panose="00000500000000000000" pitchFamily="2" charset="0"/>
+              </a:rPr>
+              <a:t>AI simulation of your behavior with information gathered from your profile, using machine learning to reply to posts (for 2 years)</a:t>
+            </a:r>
+          </a:p>
+          <a:p>
+            <a:pPr marL="285750" indent="-285750">
+              <a:buFontTx/>
+              <a:buChar char="-"/>
+            </a:pPr>
+            <a:endParaRPr lang="en-US" sz="1600" dirty="0">
+              <a:latin typeface="Comfortaa" panose="00000500000000000000" pitchFamily="2" charset="0"/>
+            </a:endParaRPr>
+          </a:p>
+          <a:p>
+            <a:pPr marL="285750" indent="-285750">
+              <a:buFontTx/>
+              <a:buChar char="-"/>
+            </a:pPr>
+            <a:r>
+              <a:rPr lang="en-US" sz="1600" dirty="0">
+                <a:latin typeface="Comfortaa" panose="00000500000000000000" pitchFamily="2" charset="0"/>
+              </a:rPr>
+              <a:t>Personalized .deceased domain for memorial site</a:t>
+            </a:r>
+          </a:p>
+        </p:txBody>
+      </p:sp>
+      <p:sp>
+        <p:nvSpPr>
+          <p:cNvPr id="7" name="textruta 6">
+            <a:extLst>
+              <a:ext uri="{FF2B5EF4-FFF2-40B4-BE49-F238E27FC236}">
+                <a16:creationId xmlns:a16="http://schemas.microsoft.com/office/drawing/2014/main" id="{821FA438-55E9-47B5-A7D8-589C1FB8931A}"/>
+              </a:ext>
+            </a:extLst>
+          </p:cNvPr>
+          <p:cNvSpPr txBox="1"/>
+          <p:nvPr/>
+        </p:nvSpPr>
+        <p:spPr>
+          <a:xfrm>
+            <a:off x="8060782" y="671691"/>
+            <a:ext cx="3179301" cy="5816977"/>
+          </a:xfrm>
+          <a:prstGeom prst="rect">
+            <a:avLst/>
+          </a:prstGeom>
+          <a:noFill/>
+        </p:spPr>
+        <p:txBody>
+          <a:bodyPr wrap="square" rtlCol="0">
+            <a:spAutoFit/>
+          </a:bodyPr>
+          <a:lstStyle/>
+          <a:p>
+            <a:r>
+              <a:rPr lang="en-US" sz="1600" b="1" dirty="0">
+                <a:latin typeface="Comfortaa" panose="00000500000000000000" pitchFamily="2" charset="0"/>
+              </a:rPr>
+              <a:t>Immortal</a:t>
+            </a:r>
+          </a:p>
+          <a:p>
+            <a:pPr marL="285750" indent="-285750">
+              <a:buFontTx/>
+              <a:buChar char="-"/>
+            </a:pPr>
+            <a:r>
+              <a:rPr lang="en-US" sz="1600" dirty="0" err="1">
+                <a:latin typeface="Comfortaa" panose="00000500000000000000" pitchFamily="2" charset="0"/>
+              </a:rPr>
+              <a:t>Permalife</a:t>
+            </a:r>
+            <a:r>
+              <a:rPr lang="en-US" sz="1600" dirty="0">
+                <a:latin typeface="Comfortaa" panose="00000500000000000000" pitchFamily="2" charset="0"/>
+              </a:rPr>
+              <a:t>™ 3D printing filament from ashes enable relatives to construct objects with familiarity</a:t>
+            </a:r>
+          </a:p>
+          <a:p>
+            <a:pPr marL="285750" indent="-285750">
+              <a:buFontTx/>
+              <a:buChar char="-"/>
+            </a:pPr>
+            <a:endParaRPr lang="en-US" sz="1600" dirty="0">
+              <a:latin typeface="Comfortaa" panose="00000500000000000000" pitchFamily="2" charset="0"/>
+            </a:endParaRPr>
+          </a:p>
+          <a:p>
+            <a:pPr marL="285750" indent="-285750">
+              <a:buFontTx/>
+              <a:buChar char="-"/>
+            </a:pPr>
+            <a:r>
+              <a:rPr lang="en-US" sz="1600" dirty="0" err="1">
+                <a:latin typeface="Comfortaa" panose="00000500000000000000" pitchFamily="2" charset="0"/>
+              </a:rPr>
+              <a:t>Webknot</a:t>
+            </a:r>
+            <a:r>
+              <a:rPr lang="en-US" sz="1600" dirty="0">
+                <a:latin typeface="Comfortaa" panose="00000500000000000000" pitchFamily="2" charset="0"/>
+              </a:rPr>
+              <a:t>-branded cedar wood casket and livestreamed cremation</a:t>
+            </a:r>
+          </a:p>
+          <a:p>
+            <a:pPr marL="285750" indent="-285750">
+              <a:buFontTx/>
+              <a:buChar char="-"/>
+            </a:pPr>
+            <a:endParaRPr lang="en-US" sz="1600" dirty="0">
+              <a:latin typeface="Comfortaa" panose="00000500000000000000" pitchFamily="2" charset="0"/>
+            </a:endParaRPr>
+          </a:p>
+          <a:p>
+            <a:pPr marL="285750" indent="-285750">
+              <a:buFontTx/>
+              <a:buChar char="-"/>
+            </a:pPr>
+            <a:r>
+              <a:rPr lang="en-US" sz="1600" dirty="0">
+                <a:latin typeface="Comfortaa" panose="00000500000000000000" pitchFamily="2" charset="0"/>
+              </a:rPr>
+              <a:t>Eligible for organ reservations and trading programs on </a:t>
+            </a:r>
+            <a:r>
+              <a:rPr lang="en-US" sz="1600" dirty="0" err="1">
+                <a:latin typeface="Comfortaa" panose="00000500000000000000" pitchFamily="2" charset="0"/>
+              </a:rPr>
+              <a:t>Webknot</a:t>
+            </a:r>
+            <a:r>
+              <a:rPr lang="en-US" sz="1600" dirty="0">
+                <a:latin typeface="Comfortaa" panose="00000500000000000000" pitchFamily="2" charset="0"/>
+              </a:rPr>
+              <a:t> Markets</a:t>
+            </a:r>
+          </a:p>
+          <a:p>
+            <a:pPr marL="285750" indent="-285750">
+              <a:buFontTx/>
+              <a:buChar char="-"/>
+            </a:pPr>
+            <a:endParaRPr lang="en-US" sz="1600" dirty="0">
+              <a:latin typeface="Comfortaa" panose="00000500000000000000" pitchFamily="2" charset="0"/>
+            </a:endParaRPr>
+          </a:p>
+          <a:p>
+            <a:pPr marL="285750" indent="-285750">
+              <a:buFontTx/>
+              <a:buChar char="-"/>
+            </a:pPr>
+            <a:r>
+              <a:rPr lang="en-US" sz="1600" dirty="0">
+                <a:latin typeface="Comfortaa" panose="00000500000000000000" pitchFamily="2" charset="0"/>
+              </a:rPr>
+              <a:t>Insurance: in case of false positives, we will provide services to ensure quick death using your preferred method</a:t>
+            </a:r>
+          </a:p>
+          <a:p>
+            <a:pPr marL="285750" indent="-285750">
+              <a:buFontTx/>
+              <a:buChar char="-"/>
+            </a:pPr>
+            <a:endParaRPr lang="en-US" dirty="0"/>
+          </a:p>
+          <a:p>
+            <a:endParaRPr lang="sv-SE" dirty="0"/>
+          </a:p>
+        </p:txBody>
+      </p:sp>
+    </p:spTree>
+    <p:extLst>
+      <p:ext uri="{BB962C8B-B14F-4D97-AF65-F5344CB8AC3E}">
+        <p14:creationId xmlns:p14="http://schemas.microsoft.com/office/powerpoint/2010/main" val="791298282"/>
+      </p:ext>
+    </p:extLst>
+  </p:cSld>
+  <p:clrMapOvr>
+    <a:masterClrMapping/>
+  </p:clrMapOvr>
+</p:sld>
+</file>
+
+<file path=ppt/slides/slide4.xml><?xml version="1.0" encoding="utf-8"?>
+<p:sld xmlns:a="http://schemas.openxmlformats.org/drawingml/2006/main" xmlns:r="http://schemas.openxmlformats.org/officeDocument/2006/relationships" xmlns:p="http://schemas.openxmlformats.org/presentationml/2006/main">
+  <p:cSld>
+    <p:spTree>
+      <p:nvGrpSpPr>
+        <p:cNvPr id="1" name=""/>
+        <p:cNvGrpSpPr/>
+        <p:nvPr/>
+      </p:nvGrpSpPr>
+      <p:grpSpPr>
+        <a:xfrm>
+          <a:off x="0" y="0"/>
+          <a:ext cx="0" cy="0"/>
+          <a:chOff x="0" y="0"/>
+          <a:chExt cx="0" cy="0"/>
+        </a:xfrm>
+      </p:grpSpPr>
+      <p:sp>
+        <p:nvSpPr>
           <p:cNvPr id="6" name="textruta 5">
             <a:extLst>
               <a:ext uri="{FF2B5EF4-FFF2-40B4-BE49-F238E27FC236}">
@@ -3583,6 +4013,30 @@
               </a:rPr>
               <a:t>Arbetssätt</a:t>
             </a:r>
+            <a:r>
+              <a:rPr lang="en-US" sz="2000" b="1" dirty="0">
+                <a:latin typeface="Comfortaa" panose="00000500000000000000" pitchFamily="2" charset="0"/>
+              </a:rPr>
+              <a:t> </a:t>
+            </a:r>
+            <a:r>
+              <a:rPr lang="en-US" sz="2000" b="1" dirty="0" err="1">
+                <a:latin typeface="Comfortaa" panose="00000500000000000000" pitchFamily="2" charset="0"/>
+              </a:rPr>
+              <a:t>och</a:t>
+            </a:r>
+            <a:r>
+              <a:rPr lang="en-US" sz="2000" b="1" dirty="0">
+                <a:latin typeface="Comfortaa" panose="00000500000000000000" pitchFamily="2" charset="0"/>
+              </a:rPr>
+              <a:t> </a:t>
+            </a:r>
+            <a:r>
+              <a:rPr lang="en-US" sz="2000" b="1" dirty="0" err="1">
+                <a:latin typeface="Comfortaa" panose="00000500000000000000" pitchFamily="2" charset="0"/>
+              </a:rPr>
+              <a:t>verktyg</a:t>
+            </a:r>
             <a:endParaRPr lang="sv-SE" sz="2000" b="1" dirty="0">
               <a:latin typeface="Comfortaa" panose="00000500000000000000" pitchFamily="2" charset="0"/>
             </a:endParaRPr>
@@ -3604,7 +4058,7 @@
         <p:spPr>
           <a:xfrm>
             <a:off x="6492483" y="2408777"/>
-            <a:ext cx="4217505" cy="2554545"/>
+            <a:ext cx="4217505" cy="3170099"/>
           </a:xfrm>
           <a:prstGeom prst="rect">
             <a:avLst/>
@@ -3665,6 +4119,22 @@
               </a:rPr>
               <a:t>Scout</a:t>
             </a:r>
+          </a:p>
+          <a:p>
+            <a:endParaRPr lang="sv-SE" sz="2000" dirty="0">
+              <a:latin typeface="Comfortaa" panose="00000500000000000000" pitchFamily="2" charset="0"/>
+            </a:endParaRPr>
+          </a:p>
+          <a:p>
+            <a:r>
+              <a:rPr lang="sv-SE" sz="2000" dirty="0" err="1">
+                <a:latin typeface="Comfortaa" panose="00000500000000000000" pitchFamily="2" charset="0"/>
+              </a:rPr>
+              <a:t>Autoprefixer</a:t>
+            </a:r>
+            <a:endParaRPr lang="sv-SE" sz="2000" dirty="0">
+              <a:latin typeface="Comfortaa" panose="00000500000000000000" pitchFamily="2" charset="0"/>
+            </a:endParaRPr>
           </a:p>
           <a:p>
             <a:endParaRPr lang="sv-SE" sz="2000" dirty="0">
@@ -3803,7 +4273,7 @@
         <p:spPr>
           <a:xfrm>
             <a:off x="6145618" y="2408777"/>
-            <a:ext cx="0" cy="2554545"/>
+            <a:ext cx="0" cy="3035420"/>
           </a:xfrm>
           <a:prstGeom prst="line">
             <a:avLst/>
@@ -3837,7 +4307,100 @@
 </p:sld>
 </file>
 
-<file path=ppt/slides/slide4.xml><?xml version="1.0" encoding="utf-8"?>
+<file path=ppt/slides/slide5.xml><?xml version="1.0" encoding="utf-8"?>
+<p:sld xmlns:a="http://schemas.openxmlformats.org/drawingml/2006/main" xmlns:r="http://schemas.openxmlformats.org/officeDocument/2006/relationships" xmlns:p="http://schemas.openxmlformats.org/presentationml/2006/main">
+  <p:cSld>
+    <p:spTree>
+      <p:nvGrpSpPr>
+        <p:cNvPr id="1" name=""/>
+        <p:cNvGrpSpPr/>
+        <p:nvPr/>
+      </p:nvGrpSpPr>
+      <p:grpSpPr>
+        <a:xfrm>
+          <a:off x="0" y="0"/>
+          <a:ext cx="0" cy="0"/>
+          <a:chOff x="0" y="0"/>
+          <a:chExt cx="0" cy="0"/>
+        </a:xfrm>
+      </p:grpSpPr>
+      <p:graphicFrame>
+        <p:nvGraphicFramePr>
+          <p:cNvPr id="2" name="Objekt 1">
+            <a:extLst>
+              <a:ext uri="{FF2B5EF4-FFF2-40B4-BE49-F238E27FC236}">
+                <a16:creationId xmlns:a16="http://schemas.microsoft.com/office/drawing/2014/main" id="{FDB9F59E-E60D-4E96-9BDE-5FDDC8DA6098}"/>
+              </a:ext>
+            </a:extLst>
+          </p:cNvPr>
+          <p:cNvGraphicFramePr>
+            <a:graphicFrameLocks noChangeAspect="1"/>
+          </p:cNvGraphicFramePr>
+          <p:nvPr>
+            <p:extLst>
+              <p:ext uri="{D42A27DB-BD31-4B8C-83A1-F6EECF244321}">
+                <p14:modId xmlns:p14="http://schemas.microsoft.com/office/powerpoint/2010/main" val="1602673223"/>
+              </p:ext>
+            </p:extLst>
+          </p:nvPr>
+        </p:nvGraphicFramePr>
+        <p:xfrm>
+          <a:off x="3974930" y="303334"/>
+          <a:ext cx="3917046" cy="6121282"/>
+        </p:xfrm>
+        <a:graphic>
+          <a:graphicData uri="http://schemas.openxmlformats.org/presentationml/2006/ole">
+            <mc:AlternateContent xmlns:mc="http://schemas.openxmlformats.org/markup-compatibility/2006">
+              <mc:Choice xmlns:v="urn:schemas-microsoft-com:vml" Requires="v">
+                <p:oleObj spid="_x0000_s1037" name="Acrobat Document" r:id="rId3" imgW="9753478" imgH="15240000" progId="AcroExch.Document.DC">
+                  <p:embed/>
+                </p:oleObj>
+              </mc:Choice>
+              <mc:Fallback>
+                <p:oleObj name="Acrobat Document" r:id="rId3" imgW="9753478" imgH="15240000" progId="AcroExch.Document.DC">
+                  <p:embed/>
+                  <p:pic>
+                    <p:nvPicPr>
+                      <p:cNvPr id="0" name=""/>
+                      <p:cNvPicPr/>
+                      <p:nvPr/>
+                    </p:nvPicPr>
+                    <p:blipFill>
+                      <a:blip r:embed="rId4"/>
+                      <a:stretch>
+                        <a:fillRect/>
+                      </a:stretch>
+                    </p:blipFill>
+                    <p:spPr>
+                      <a:xfrm>
+                        <a:off x="3974930" y="303334"/>
+                        <a:ext cx="3917046" cy="6121282"/>
+                      </a:xfrm>
+                      <a:prstGeom prst="rect">
+                        <a:avLst/>
+                      </a:prstGeom>
+                    </p:spPr>
+                  </p:pic>
+                </p:oleObj>
+              </mc:Fallback>
+            </mc:AlternateContent>
+          </a:graphicData>
+        </a:graphic>
+      </p:graphicFrame>
+    </p:spTree>
+    <p:extLst>
+      <p:ext uri="{BB962C8B-B14F-4D97-AF65-F5344CB8AC3E}">
+        <p14:creationId xmlns:p14="http://schemas.microsoft.com/office/powerpoint/2010/main" val="3969203283"/>
+      </p:ext>
+    </p:extLst>
+  </p:cSld>
+  <p:clrMapOvr>
+    <a:masterClrMapping/>
+  </p:clrMapOvr>
+</p:sld>
+</file>
+
+<file path=ppt/slides/slide6.xml><?xml version="1.0" encoding="utf-8"?>
 <p:sld xmlns:a="http://schemas.openxmlformats.org/drawingml/2006/main" xmlns:r="http://schemas.openxmlformats.org/officeDocument/2006/relationships" xmlns:p="http://schemas.openxmlformats.org/presentationml/2006/main">
   <p:cSld>
     <p:spTree>
@@ -4016,7 +4579,7 @@
 </p:sld>
 </file>
 
-<file path=ppt/slides/slide5.xml><?xml version="1.0" encoding="utf-8"?>
+<file path=ppt/slides/slide7.xml><?xml version="1.0" encoding="utf-8"?>
 <p:sld xmlns:a="http://schemas.openxmlformats.org/drawingml/2006/main" xmlns:r="http://schemas.openxmlformats.org/officeDocument/2006/relationships" xmlns:p="http://schemas.openxmlformats.org/presentationml/2006/main">
   <p:cSld>
     <p:spTree>
@@ -4195,7 +4758,7 @@
 </p:sld>
 </file>
 
-<file path=ppt/slides/slide6.xml><?xml version="1.0" encoding="utf-8"?>
+<file path=ppt/slides/slide8.xml><?xml version="1.0" encoding="utf-8"?>
 <p:sld xmlns:a="http://schemas.openxmlformats.org/drawingml/2006/main" xmlns:r="http://schemas.openxmlformats.org/officeDocument/2006/relationships" xmlns:p="http://schemas.openxmlformats.org/presentationml/2006/main">
   <p:cSld>
     <p:spTree>
@@ -4267,7 +4830,66 @@
         </p:nvSpPr>
         <p:spPr>
           <a:xfrm>
-            <a:off x="1285873" y="2506294"/>
+            <a:off x="1356213" y="2527667"/>
+            <a:ext cx="4500562" cy="1323439"/>
+          </a:xfrm>
+          <a:prstGeom prst="rect">
+            <a:avLst/>
+          </a:prstGeom>
+          <a:noFill/>
+        </p:spPr>
+        <p:txBody>
+          <a:bodyPr wrap="square" rtlCol="0">
+            <a:spAutoFit/>
+          </a:bodyPr>
+          <a:lstStyle/>
+          <a:p>
+            <a:pPr algn="r"/>
+            <a:r>
+              <a:rPr lang="sv-SE" sz="2000" dirty="0">
+                <a:latin typeface="Comfortaa" panose="00000500000000000000" pitchFamily="2" charset="0"/>
+              </a:rPr>
+              <a:t>Svårt med versionshantering </a:t>
+            </a:r>
+          </a:p>
+          <a:p>
+            <a:pPr algn="r"/>
+            <a:endParaRPr lang="sv-SE" sz="2000" dirty="0">
+              <a:latin typeface="Comfortaa" panose="00000500000000000000" pitchFamily="2" charset="0"/>
+            </a:endParaRPr>
+          </a:p>
+          <a:p>
+            <a:pPr algn="r"/>
+            <a:r>
+              <a:rPr lang="sv-SE" sz="2000" dirty="0">
+                <a:latin typeface="Comfortaa" panose="00000500000000000000" pitchFamily="2" charset="0"/>
+              </a:rPr>
+              <a:t>Hålla sig till ett arbetssätt</a:t>
+            </a:r>
+          </a:p>
+          <a:p>
+            <a:pPr algn="r"/>
+            <a:endParaRPr lang="sv-SE" sz="2000" dirty="0">
+              <a:latin typeface="Comfortaa" panose="00000500000000000000" pitchFamily="2" charset="0"/>
+            </a:endParaRPr>
+          </a:p>
+        </p:txBody>
+      </p:sp>
+      <p:sp>
+        <p:nvSpPr>
+          <p:cNvPr id="4" name="textruta 3">
+            <a:extLst>
+              <a:ext uri="{FF2B5EF4-FFF2-40B4-BE49-F238E27FC236}">
+                <a16:creationId xmlns:a16="http://schemas.microsoft.com/office/drawing/2014/main" id="{3409E8A7-4B84-4304-8FD8-6863A03FA73C}"/>
+              </a:ext>
+            </a:extLst>
+          </p:cNvPr>
+          <p:cNvSpPr txBox="1"/>
+          <p:nvPr/>
+        </p:nvSpPr>
+        <p:spPr>
+          <a:xfrm>
+            <a:off x="6448530" y="2527667"/>
             <a:ext cx="4500562" cy="1631216"/>
           </a:xfrm>
           <a:prstGeom prst="rect">
@@ -4281,92 +4903,11 @@
           </a:bodyPr>
           <a:lstStyle/>
           <a:p>
-            <a:pPr algn="r"/>
             <a:r>
               <a:rPr lang="sv-SE" sz="2000" dirty="0">
                 <a:latin typeface="Comfortaa" panose="00000500000000000000" pitchFamily="2" charset="0"/>
               </a:rPr>
-              <a:t>Svårt med versionshantering </a:t>
-            </a:r>
-          </a:p>
-          <a:p>
-            <a:pPr algn="r"/>
-            <a:endParaRPr lang="sv-SE" sz="2000" dirty="0">
-              <a:latin typeface="Comfortaa" panose="00000500000000000000" pitchFamily="2" charset="0"/>
-            </a:endParaRPr>
-          </a:p>
-          <a:p>
-            <a:pPr algn="r"/>
-            <a:r>
-              <a:rPr lang="sv-SE" sz="2000" dirty="0">
-                <a:latin typeface="Comfortaa" panose="00000500000000000000" pitchFamily="2" charset="0"/>
-              </a:rPr>
-              <a:t>Hålla sig till ett arbetssätt</a:t>
-            </a:r>
-          </a:p>
-          <a:p>
-            <a:pPr algn="r"/>
-            <a:endParaRPr lang="sv-SE" sz="2000" dirty="0">
-              <a:latin typeface="Comfortaa" panose="00000500000000000000" pitchFamily="2" charset="0"/>
-            </a:endParaRPr>
-          </a:p>
-          <a:p>
-            <a:pPr algn="r"/>
-            <a:r>
-              <a:rPr lang="sv-SE" sz="2000" dirty="0">
-                <a:latin typeface="Comfortaa" panose="00000500000000000000" pitchFamily="2" charset="0"/>
-              </a:rPr>
-              <a:t>Internet Explorer….</a:t>
-            </a:r>
-          </a:p>
-        </p:txBody>
-      </p:sp>
-      <p:sp>
-        <p:nvSpPr>
-          <p:cNvPr id="4" name="textruta 3">
-            <a:extLst>
-              <a:ext uri="{FF2B5EF4-FFF2-40B4-BE49-F238E27FC236}">
-                <a16:creationId xmlns:a16="http://schemas.microsoft.com/office/drawing/2014/main" id="{3409E8A7-4B84-4304-8FD8-6863A03FA73C}"/>
-              </a:ext>
-            </a:extLst>
-          </p:cNvPr>
-          <p:cNvSpPr txBox="1"/>
-          <p:nvPr/>
-        </p:nvSpPr>
-        <p:spPr>
-          <a:xfrm>
-            <a:off x="6581775" y="2506294"/>
-            <a:ext cx="4500562" cy="1631216"/>
-          </a:xfrm>
-          <a:prstGeom prst="rect">
-            <a:avLst/>
-          </a:prstGeom>
-          <a:noFill/>
-        </p:spPr>
-        <p:txBody>
-          <a:bodyPr wrap="square" rtlCol="0">
-            <a:spAutoFit/>
-          </a:bodyPr>
-          <a:lstStyle/>
-          <a:p>
-            <a:r>
-              <a:rPr lang="sv-SE" sz="2000" dirty="0">
-                <a:latin typeface="Comfortaa" panose="00000500000000000000" pitchFamily="2" charset="0"/>
-              </a:rPr>
-              <a:t>Olika måttenheter</a:t>
-            </a:r>
-          </a:p>
-          <a:p>
-            <a:endParaRPr lang="sv-SE" sz="2000" dirty="0">
-              <a:latin typeface="Comfortaa" panose="00000500000000000000" pitchFamily="2" charset="0"/>
-            </a:endParaRPr>
-          </a:p>
-          <a:p>
-            <a:r>
-              <a:rPr lang="sv-SE" sz="2000" dirty="0">
-                <a:latin typeface="Comfortaa" panose="00000500000000000000" pitchFamily="2" charset="0"/>
-              </a:rPr>
-              <a:t>Bakgrunden var svår att lösa</a:t>
+              <a:t>Problem med bakgrund</a:t>
             </a:r>
           </a:p>
           <a:p>
@@ -4380,6 +4921,19 @@
                 <a:latin typeface="Comfortaa" panose="00000500000000000000" pitchFamily="2" charset="0"/>
               </a:rPr>
               <a:t>Kommunikation</a:t>
+            </a:r>
+          </a:p>
+          <a:p>
+            <a:endParaRPr lang="sv-SE" sz="2000" dirty="0">
+              <a:latin typeface="Comfortaa" panose="00000500000000000000" pitchFamily="2" charset="0"/>
+            </a:endParaRPr>
+          </a:p>
+          <a:p>
+            <a:r>
+              <a:rPr lang="sv-SE" sz="2000" dirty="0">
+                <a:latin typeface="Comfortaa" panose="00000500000000000000" pitchFamily="2" charset="0"/>
+              </a:rPr>
+              <a:t>GitHub</a:t>
             </a:r>
           </a:p>
         </p:txBody>
@@ -4401,7 +4955,7 @@
         <p:spPr>
           <a:xfrm>
             <a:off x="6145618" y="2357438"/>
-            <a:ext cx="0" cy="1971675"/>
+            <a:ext cx="0" cy="1801445"/>
           </a:xfrm>
           <a:prstGeom prst="line">
             <a:avLst/>
